--- a/Mathy Knaapen  Technische dienstverlening.pptx
+++ b/Mathy Knaapen  Technische dienstverlening.pptx
@@ -8,7 +8,9 @@
     <p:sldId id="256" r:id="rId2"/>
     <p:sldId id="257" r:id="rId3"/>
     <p:sldId id="258" r:id="rId4"/>
-    <p:sldId id="259" r:id="rId5"/>
+    <p:sldId id="260" r:id="rId5"/>
+    <p:sldId id="259" r:id="rId6"/>
+    <p:sldId id="261" r:id="rId7"/>
   </p:sldIdLst>
   <p:sldSz cx="12192000" cy="6858000"/>
   <p:notesSz cx="6858000" cy="9144000"/>
@@ -107,6 +109,11 @@
       </a:defRPr>
     </a:lvl9pPr>
   </p:defaultTextStyle>
+  <p:extLst>
+    <p:ext uri="{EFAFB233-063F-42B5-8137-9DF3F51BA10A}">
+      <p15:sldGuideLst xmlns:p15="http://schemas.microsoft.com/office/powerpoint/2012/main"/>
+    </p:ext>
+  </p:extLst>
 </p:presentation>
 </file>
 
@@ -441,7 +448,7 @@
           <a:p>
             <a:fld id="{103EE1E3-6CB9-45F6-8AFA-F2D4348C191E}" type="datetimeFigureOut">
               <a:rPr lang="en-NL" smtClean="0"/>
-              <a:t>09/11/2021</a:t>
+              <a:t>10/11/2021</a:t>
             </a:fld>
             <a:endParaRPr lang="en-NL"/>
           </a:p>
@@ -765,7 +772,7 @@
           <a:p>
             <a:fld id="{103EE1E3-6CB9-45F6-8AFA-F2D4348C191E}" type="datetimeFigureOut">
               <a:rPr lang="en-NL" smtClean="0"/>
-              <a:t>09/11/2021</a:t>
+              <a:t>10/11/2021</a:t>
             </a:fld>
             <a:endParaRPr lang="en-NL"/>
           </a:p>
@@ -1013,7 +1020,7 @@
           <a:p>
             <a:fld id="{103EE1E3-6CB9-45F6-8AFA-F2D4348C191E}" type="datetimeFigureOut">
               <a:rPr lang="en-NL" smtClean="0"/>
-              <a:t>09/11/2021</a:t>
+              <a:t>10/11/2021</a:t>
             </a:fld>
             <a:endParaRPr lang="en-NL"/>
           </a:p>
@@ -1352,7 +1359,7 @@
           <a:p>
             <a:fld id="{103EE1E3-6CB9-45F6-8AFA-F2D4348C191E}" type="datetimeFigureOut">
               <a:rPr lang="en-NL" smtClean="0"/>
-              <a:t>09/11/2021</a:t>
+              <a:t>10/11/2021</a:t>
             </a:fld>
             <a:endParaRPr lang="en-NL"/>
           </a:p>
@@ -1699,7 +1706,7 @@
           <a:p>
             <a:fld id="{103EE1E3-6CB9-45F6-8AFA-F2D4348C191E}" type="datetimeFigureOut">
               <a:rPr lang="en-NL" smtClean="0"/>
-              <a:t>09/11/2021</a:t>
+              <a:t>10/11/2021</a:t>
             </a:fld>
             <a:endParaRPr lang="en-NL"/>
           </a:p>
@@ -2073,7 +2080,7 @@
           <a:p>
             <a:fld id="{103EE1E3-6CB9-45F6-8AFA-F2D4348C191E}" type="datetimeFigureOut">
               <a:rPr lang="en-NL" smtClean="0"/>
-              <a:t>09/11/2021</a:t>
+              <a:t>10/11/2021</a:t>
             </a:fld>
             <a:endParaRPr lang="en-NL"/>
           </a:p>
@@ -2543,7 +2550,7 @@
           <a:p>
             <a:fld id="{103EE1E3-6CB9-45F6-8AFA-F2D4348C191E}" type="datetimeFigureOut">
               <a:rPr lang="en-NL" smtClean="0"/>
-              <a:t>09/11/2021</a:t>
+              <a:t>10/11/2021</a:t>
             </a:fld>
             <a:endParaRPr lang="en-NL"/>
           </a:p>
@@ -2748,7 +2755,7 @@
           <a:p>
             <a:fld id="{103EE1E3-6CB9-45F6-8AFA-F2D4348C191E}" type="datetimeFigureOut">
               <a:rPr lang="en-NL" smtClean="0"/>
-              <a:t>09/11/2021</a:t>
+              <a:t>10/11/2021</a:t>
             </a:fld>
             <a:endParaRPr lang="en-NL"/>
           </a:p>
@@ -2959,7 +2966,7 @@
           <a:p>
             <a:fld id="{103EE1E3-6CB9-45F6-8AFA-F2D4348C191E}" type="datetimeFigureOut">
               <a:rPr lang="en-NL" smtClean="0"/>
-              <a:t>09/11/2021</a:t>
+              <a:t>10/11/2021</a:t>
             </a:fld>
             <a:endParaRPr lang="en-NL"/>
           </a:p>
@@ -3191,7 +3198,7 @@
           <a:p>
             <a:fld id="{103EE1E3-6CB9-45F6-8AFA-F2D4348C191E}" type="datetimeFigureOut">
               <a:rPr lang="en-NL" smtClean="0"/>
-              <a:t>09/11/2021</a:t>
+              <a:t>10/11/2021</a:t>
             </a:fld>
             <a:endParaRPr lang="en-NL"/>
           </a:p>
@@ -3439,7 +3446,7 @@
           <a:p>
             <a:fld id="{103EE1E3-6CB9-45F6-8AFA-F2D4348C191E}" type="datetimeFigureOut">
               <a:rPr lang="en-NL" smtClean="0"/>
-              <a:t>09/11/2021</a:t>
+              <a:t>10/11/2021</a:t>
             </a:fld>
             <a:endParaRPr lang="en-NL"/>
           </a:p>
@@ -3737,7 +3744,7 @@
           <a:p>
             <a:fld id="{103EE1E3-6CB9-45F6-8AFA-F2D4348C191E}" type="datetimeFigureOut">
               <a:rPr lang="en-NL" smtClean="0"/>
-              <a:t>09/11/2021</a:t>
+              <a:t>10/11/2021</a:t>
             </a:fld>
             <a:endParaRPr lang="en-NL"/>
           </a:p>
@@ -4131,7 +4138,7 @@
           <a:p>
             <a:fld id="{103EE1E3-6CB9-45F6-8AFA-F2D4348C191E}" type="datetimeFigureOut">
               <a:rPr lang="en-NL" smtClean="0"/>
-              <a:t>09/11/2021</a:t>
+              <a:t>10/11/2021</a:t>
             </a:fld>
             <a:endParaRPr lang="en-NL"/>
           </a:p>
@@ -4280,7 +4287,7 @@
           <a:p>
             <a:fld id="{103EE1E3-6CB9-45F6-8AFA-F2D4348C191E}" type="datetimeFigureOut">
               <a:rPr lang="en-NL" smtClean="0"/>
-              <a:t>09/11/2021</a:t>
+              <a:t>10/11/2021</a:t>
             </a:fld>
             <a:endParaRPr lang="en-NL"/>
           </a:p>
@@ -4406,7 +4413,7 @@
           <a:p>
             <a:fld id="{103EE1E3-6CB9-45F6-8AFA-F2D4348C191E}" type="datetimeFigureOut">
               <a:rPr lang="en-NL" smtClean="0"/>
-              <a:t>09/11/2021</a:t>
+              <a:t>10/11/2021</a:t>
             </a:fld>
             <a:endParaRPr lang="en-NL"/>
           </a:p>
@@ -4661,7 +4668,7 @@
           <a:p>
             <a:fld id="{103EE1E3-6CB9-45F6-8AFA-F2D4348C191E}" type="datetimeFigureOut">
               <a:rPr lang="en-NL" smtClean="0"/>
-              <a:t>09/11/2021</a:t>
+              <a:t>10/11/2021</a:t>
             </a:fld>
             <a:endParaRPr lang="en-NL"/>
           </a:p>
@@ -4976,7 +4983,7 @@
           <a:p>
             <a:fld id="{103EE1E3-6CB9-45F6-8AFA-F2D4348C191E}" type="datetimeFigureOut">
               <a:rPr lang="en-NL" smtClean="0"/>
-              <a:t>09/11/2021</a:t>
+              <a:t>10/11/2021</a:t>
             </a:fld>
             <a:endParaRPr lang="en-NL"/>
           </a:p>
@@ -5327,7 +5334,7 @@
           <a:p>
             <a:fld id="{103EE1E3-6CB9-45F6-8AFA-F2D4348C191E}" type="datetimeFigureOut">
               <a:rPr lang="en-NL" smtClean="0"/>
-              <a:t>09/11/2021</a:t>
+              <a:t>10/11/2021</a:t>
             </a:fld>
             <a:endParaRPr lang="en-NL"/>
           </a:p>
@@ -6022,6 +6029,12 @@
           <a:p>
             <a:r>
               <a:rPr lang="nl-NL" dirty="0"/>
+              <a:t>Proces</a:t>
+            </a:r>
+          </a:p>
+          <a:p>
+            <a:r>
+              <a:rPr lang="nl-NL" dirty="0"/>
               <a:t>Planning</a:t>
             </a:r>
           </a:p>
@@ -6099,10 +6112,10 @@
       </p:sp>
       <p:sp>
         <p:nvSpPr>
-          <p:cNvPr id="3" name="Content Placeholder 2">
+          <p:cNvPr id="7" name="Content Placeholder 6">
             <a:extLst>
               <a:ext uri="{FF2B5EF4-FFF2-40B4-BE49-F238E27FC236}">
-                <a16:creationId xmlns:a16="http://schemas.microsoft.com/office/drawing/2014/main" id="{0CC51C7D-12CE-46C8-BE0C-D89F9166E6F2}"/>
+                <a16:creationId xmlns:a16="http://schemas.microsoft.com/office/drawing/2014/main" id="{FA3F8169-9A27-4B24-88C5-6E918EEA57DE}"/>
               </a:ext>
             </a:extLst>
           </p:cNvPr>
@@ -6122,6 +6135,36 @@
           </a:p>
         </p:txBody>
       </p:sp>
+      <p:pic>
+        <p:nvPicPr>
+          <p:cNvPr id="10" name="Picture 9">
+            <a:extLst>
+              <a:ext uri="{FF2B5EF4-FFF2-40B4-BE49-F238E27FC236}">
+                <a16:creationId xmlns:a16="http://schemas.microsoft.com/office/drawing/2014/main" id="{A4199388-597E-4E21-BA5F-70A103C0C7CB}"/>
+              </a:ext>
+            </a:extLst>
+          </p:cNvPr>
+          <p:cNvPicPr>
+            <a:picLocks noChangeAspect="1"/>
+          </p:cNvPicPr>
+          <p:nvPr/>
+        </p:nvPicPr>
+        <p:blipFill>
+          <a:blip r:embed="rId2"/>
+          <a:stretch>
+            <a:fillRect/>
+          </a:stretch>
+        </p:blipFill>
+        <p:spPr>
+          <a:xfrm>
+            <a:off x="2647948" y="2556932"/>
+            <a:ext cx="6896101" cy="3337027"/>
+          </a:xfrm>
+          <a:prstGeom prst="rect">
+            <a:avLst/>
+          </a:prstGeom>
+        </p:spPr>
+      </p:pic>
     </p:spTree>
     <p:extLst>
       <p:ext uri="{BB962C8B-B14F-4D97-AF65-F5344CB8AC3E}">
@@ -6138,6 +6181,15 @@
 <file path=ppt/slides/slide4.xml><?xml version="1.0" encoding="utf-8"?>
 <p:sld xmlns:a="http://schemas.openxmlformats.org/drawingml/2006/main" xmlns:r="http://schemas.openxmlformats.org/officeDocument/2006/relationships" xmlns:p="http://schemas.openxmlformats.org/presentationml/2006/main">
   <p:cSld>
+    <p:bg>
+      <p:bgPr>
+        <a:blipFill>
+          <a:blip r:embed="rId2"/>
+          <a:stretch/>
+        </a:blipFill>
+        <a:effectLst/>
+      </p:bgPr>
+    </p:bg>
     <p:spTree>
       <p:nvGrpSpPr>
         <p:cNvPr id="1" name=""/>
@@ -6152,6 +6204,469 @@
           <a:chExt cx="0" cy="0"/>
         </a:xfrm>
       </p:grpSpPr>
+      <p:sp useBgFill="1">
+        <p:nvSpPr>
+          <p:cNvPr id="12" name="Rectangle 11">
+            <a:extLst>
+              <a:ext uri="{FF2B5EF4-FFF2-40B4-BE49-F238E27FC236}">
+                <a16:creationId xmlns:a16="http://schemas.microsoft.com/office/drawing/2014/main" id="{7E61F402-3445-458A-9A2B-D28FD288390C}"/>
+              </a:ext>
+              <a:ext uri="{C183D7F6-B498-43B3-948B-1728B52AA6E4}">
+                <adec:decorative xmlns:adec="http://schemas.microsoft.com/office/drawing/2017/decorative" val="1"/>
+              </a:ext>
+            </a:extLst>
+          </p:cNvPr>
+          <p:cNvSpPr>
+            <a:spLocks noGrp="1" noRot="1" noChangeAspect="1" noMove="1" noResize="1" noEditPoints="1" noAdjustHandles="1" noChangeArrowheads="1" noChangeShapeType="1" noTextEdit="1"/>
+          </p:cNvSpPr>
+          <p:nvPr>
+            <p:extLst>
+              <p:ext uri="{386F3935-93C4-4BCD-93E2-E3B085C9AB24}">
+                <p16:designElem xmlns:p16="http://schemas.microsoft.com/office/powerpoint/2015/main" val="1"/>
+              </p:ext>
+            </p:extLst>
+          </p:nvPr>
+        </p:nvSpPr>
+        <p:spPr>
+          <a:xfrm>
+            <a:off x="0" y="0"/>
+            <a:ext cx="12188952" cy="6858000"/>
+          </a:xfrm>
+          <a:prstGeom prst="rect">
+            <a:avLst/>
+          </a:prstGeom>
+          <a:ln>
+            <a:noFill/>
+          </a:ln>
+        </p:spPr>
+        <p:style>
+          <a:lnRef idx="2">
+            <a:schemeClr val="accent1">
+              <a:shade val="50000"/>
+            </a:schemeClr>
+          </a:lnRef>
+          <a:fillRef idx="1">
+            <a:schemeClr val="accent1"/>
+          </a:fillRef>
+          <a:effectRef idx="0">
+            <a:schemeClr val="accent1"/>
+          </a:effectRef>
+          <a:fontRef idx="minor">
+            <a:schemeClr val="lt1"/>
+          </a:fontRef>
+        </p:style>
+        <p:txBody>
+          <a:bodyPr rtlCol="0" anchor="ctr"/>
+          <a:lstStyle/>
+          <a:p>
+            <a:pPr algn="ctr"/>
+            <a:endParaRPr lang="en-US"/>
+          </a:p>
+        </p:txBody>
+      </p:sp>
+      <p:grpSp>
+        <p:nvGrpSpPr>
+          <p:cNvPr id="14" name="Group 13">
+            <a:extLst>
+              <a:ext uri="{FF2B5EF4-FFF2-40B4-BE49-F238E27FC236}">
+                <a16:creationId xmlns:a16="http://schemas.microsoft.com/office/drawing/2014/main" id="{A673C096-95AE-4644-B76C-1DF1B667DC44}"/>
+              </a:ext>
+              <a:ext uri="{C183D7F6-B498-43B3-948B-1728B52AA6E4}">
+                <adec:decorative xmlns:adec="http://schemas.microsoft.com/office/drawing/2017/decorative" val="1"/>
+              </a:ext>
+            </a:extLst>
+          </p:cNvPr>
+          <p:cNvGrpSpPr>
+            <a:grpSpLocks noGrp="1" noUngrp="1" noRot="1" noChangeAspect="1" noMove="1" noResize="1"/>
+          </p:cNvGrpSpPr>
+          <p:nvPr>
+            <p:extLst>
+              <p:ext uri="{386F3935-93C4-4BCD-93E2-E3B085C9AB24}">
+                <p16:designElem xmlns:p16="http://schemas.microsoft.com/office/powerpoint/2015/main" val="1"/>
+              </p:ext>
+            </p:extLst>
+          </p:nvPr>
+        </p:nvGrpSpPr>
+        <p:grpSpPr>
+          <a:xfrm>
+            <a:off x="-15736" y="0"/>
+            <a:ext cx="12229962" cy="6856214"/>
+            <a:chOff x="-15736" y="0"/>
+            <a:chExt cx="12229962" cy="6856214"/>
+          </a:xfrm>
+        </p:grpSpPr>
+        <p:pic>
+          <p:nvPicPr>
+            <p:cNvPr id="15" name="Picture 14">
+              <a:extLst>
+                <a:ext uri="{FF2B5EF4-FFF2-40B4-BE49-F238E27FC236}">
+                  <a16:creationId xmlns:a16="http://schemas.microsoft.com/office/drawing/2014/main" id="{77A91835-418B-4867-87D7-1376A57F3F75}"/>
+                </a:ext>
+                <a:ext uri="{C183D7F6-B498-43B3-948B-1728B52AA6E4}">
+                  <adec:decorative xmlns:adec="http://schemas.microsoft.com/office/drawing/2017/decorative" val="1"/>
+                </a:ext>
+              </a:extLst>
+            </p:cNvPr>
+            <p:cNvPicPr>
+              <a:picLocks noChangeAspect="1"/>
+            </p:cNvPicPr>
+            <p:nvPr>
+              <p:extLst>
+                <p:ext uri="{386F3935-93C4-4BCD-93E2-E3B085C9AB24}">
+                  <p16:designElem xmlns:p16="http://schemas.microsoft.com/office/powerpoint/2015/main" val="1"/>
+                </p:ext>
+              </p:extLst>
+            </p:nvPr>
+          </p:nvPicPr>
+          <p:blipFill>
+            <a:blip r:embed="rId3">
+              <a:extLst>
+                <a:ext uri="{28A0092B-C50C-407E-A947-70E740481C1C}">
+                  <a14:useLocalDpi xmlns:a14="http://schemas.microsoft.com/office/drawing/2010/main" val="0"/>
+                </a:ext>
+              </a:extLst>
+            </a:blip>
+            <a:stretch>
+              <a:fillRect/>
+            </a:stretch>
+          </p:blipFill>
+          <p:spPr>
+            <a:xfrm>
+              <a:off x="0" y="0"/>
+              <a:ext cx="12188825" cy="6856214"/>
+            </a:xfrm>
+            <a:prstGeom prst="rect">
+              <a:avLst/>
+            </a:prstGeom>
+          </p:spPr>
+        </p:pic>
+        <p:sp>
+          <p:nvSpPr>
+            <p:cNvPr id="16" name="Rectangle 15">
+              <a:extLst>
+                <a:ext uri="{FF2B5EF4-FFF2-40B4-BE49-F238E27FC236}">
+                  <a16:creationId xmlns:a16="http://schemas.microsoft.com/office/drawing/2014/main" id="{65B511A1-E0EC-49FE-8068-9DA29CD00E96}"/>
+                </a:ext>
+                <a:ext uri="{C183D7F6-B498-43B3-948B-1728B52AA6E4}">
+                  <adec:decorative xmlns:adec="http://schemas.microsoft.com/office/drawing/2017/decorative" val="1"/>
+                </a:ext>
+              </a:extLst>
+            </p:cNvPr>
+            <p:cNvSpPr/>
+            <p:nvPr>
+              <p:extLst>
+                <p:ext uri="{386F3935-93C4-4BCD-93E2-E3B085C9AB24}">
+                  <p16:designElem xmlns:p16="http://schemas.microsoft.com/office/powerpoint/2015/main" val="1"/>
+                </p:ext>
+              </p:extLst>
+            </p:nvPr>
+          </p:nvSpPr>
+          <p:spPr>
+            <a:xfrm>
+              <a:off x="608012" y="609600"/>
+              <a:ext cx="10972800" cy="5638800"/>
+            </a:xfrm>
+            <a:prstGeom prst="rect">
+              <a:avLst/>
+            </a:prstGeom>
+            <a:noFill/>
+            <a:ln w="15875" cap="flat">
+              <a:miter lim="800000"/>
+            </a:ln>
+          </p:spPr>
+          <p:style>
+            <a:lnRef idx="1">
+              <a:schemeClr val="accent1"/>
+            </a:lnRef>
+            <a:fillRef idx="3">
+              <a:schemeClr val="accent1"/>
+            </a:fillRef>
+            <a:effectRef idx="2">
+              <a:schemeClr val="accent1"/>
+            </a:effectRef>
+            <a:fontRef idx="minor">
+              <a:schemeClr val="lt1"/>
+            </a:fontRef>
+          </p:style>
+        </p:sp>
+        <p:pic>
+          <p:nvPicPr>
+            <p:cNvPr id="17" name="Picture 16">
+              <a:extLst>
+                <a:ext uri="{FF2B5EF4-FFF2-40B4-BE49-F238E27FC236}">
+                  <a16:creationId xmlns:a16="http://schemas.microsoft.com/office/drawing/2014/main" id="{4A61BC5F-ADA4-4DBA-9C6B-E17E0B82EC54}"/>
+                </a:ext>
+                <a:ext uri="{C183D7F6-B498-43B3-948B-1728B52AA6E4}">
+                  <adec:decorative xmlns:adec="http://schemas.microsoft.com/office/drawing/2017/decorative" val="1"/>
+                </a:ext>
+              </a:extLst>
+            </p:cNvPr>
+            <p:cNvPicPr>
+              <a:picLocks noChangeAspect="1"/>
+            </p:cNvPicPr>
+            <p:nvPr>
+              <p:extLst>
+                <p:ext uri="{386F3935-93C4-4BCD-93E2-E3B085C9AB24}">
+                  <p16:designElem xmlns:p16="http://schemas.microsoft.com/office/powerpoint/2015/main" val="1"/>
+                </p:ext>
+              </p:extLst>
+            </p:nvPr>
+          </p:nvPicPr>
+          <p:blipFill rotWithShape="1">
+            <a:blip r:embed="rId4">
+              <a:extLst>
+                <a:ext uri="{28A0092B-C50C-407E-A947-70E740481C1C}">
+                  <a14:useLocalDpi xmlns:a14="http://schemas.microsoft.com/office/drawing/2010/main" val="0"/>
+                </a:ext>
+              </a:extLst>
+            </a:blip>
+            <a:srcRect/>
+            <a:stretch/>
+          </p:blipFill>
+          <p:spPr>
+            <a:xfrm>
+              <a:off x="-15736" y="3153832"/>
+              <a:ext cx="777240" cy="606425"/>
+            </a:xfrm>
+            <a:prstGeom prst="rect">
+              <a:avLst/>
+            </a:prstGeom>
+          </p:spPr>
+        </p:pic>
+        <p:pic>
+          <p:nvPicPr>
+            <p:cNvPr id="18" name="Picture 17">
+              <a:extLst>
+                <a:ext uri="{FF2B5EF4-FFF2-40B4-BE49-F238E27FC236}">
+                  <a16:creationId xmlns:a16="http://schemas.microsoft.com/office/drawing/2014/main" id="{1CE6F7D2-ACED-47D2-BEFD-FB26F75374A1}"/>
+                </a:ext>
+                <a:ext uri="{C183D7F6-B498-43B3-948B-1728B52AA6E4}">
+                  <adec:decorative xmlns:adec="http://schemas.microsoft.com/office/drawing/2017/decorative" val="1"/>
+                </a:ext>
+              </a:extLst>
+            </p:cNvPr>
+            <p:cNvPicPr>
+              <a:picLocks noChangeAspect="1"/>
+            </p:cNvPicPr>
+            <p:nvPr>
+              <p:extLst>
+                <p:ext uri="{386F3935-93C4-4BCD-93E2-E3B085C9AB24}">
+                  <p16:designElem xmlns:p16="http://schemas.microsoft.com/office/powerpoint/2015/main" val="1"/>
+                </p:ext>
+              </p:extLst>
+            </p:nvPr>
+          </p:nvPicPr>
+          <p:blipFill rotWithShape="1">
+            <a:blip r:embed="rId4">
+              <a:extLst>
+                <a:ext uri="{28A0092B-C50C-407E-A947-70E740481C1C}">
+                  <a14:useLocalDpi xmlns:a14="http://schemas.microsoft.com/office/drawing/2010/main" val="0"/>
+                </a:ext>
+              </a:extLst>
+            </a:blip>
+            <a:srcRect/>
+            <a:stretch/>
+          </p:blipFill>
+          <p:spPr>
+            <a:xfrm>
+              <a:off x="11436986" y="3153832"/>
+              <a:ext cx="777240" cy="606425"/>
+            </a:xfrm>
+            <a:prstGeom prst="rect">
+              <a:avLst/>
+            </a:prstGeom>
+          </p:spPr>
+        </p:pic>
+      </p:grpSp>
+      <p:sp>
+        <p:nvSpPr>
+          <p:cNvPr id="2" name="Title 1">
+            <a:extLst>
+              <a:ext uri="{FF2B5EF4-FFF2-40B4-BE49-F238E27FC236}">
+                <a16:creationId xmlns:a16="http://schemas.microsoft.com/office/drawing/2014/main" id="{8A5BE305-8912-46B5-860E-48C352FFE85D}"/>
+              </a:ext>
+            </a:extLst>
+          </p:cNvPr>
+          <p:cNvSpPr>
+            <a:spLocks noGrp="1"/>
+          </p:cNvSpPr>
+          <p:nvPr>
+            <p:ph type="title"/>
+          </p:nvPr>
+        </p:nvSpPr>
+        <p:spPr>
+          <a:xfrm>
+            <a:off x="1295402" y="982132"/>
+            <a:ext cx="3660056" cy="1325373"/>
+          </a:xfrm>
+        </p:spPr>
+        <p:txBody>
+          <a:bodyPr anchor="b">
+            <a:normAutofit/>
+          </a:bodyPr>
+          <a:lstStyle/>
+          <a:p>
+            <a:r>
+              <a:rPr lang="nl-NL" sz="2800">
+                <a:solidFill>
+                  <a:srgbClr val="262626"/>
+                </a:solidFill>
+              </a:rPr>
+              <a:t>Functioneel ontwerp</a:t>
+            </a:r>
+          </a:p>
+        </p:txBody>
+      </p:sp>
+      <p:cxnSp>
+        <p:nvCxnSpPr>
+          <p:cNvPr id="20" name="Straight Connector 19">
+            <a:extLst>
+              <a:ext uri="{FF2B5EF4-FFF2-40B4-BE49-F238E27FC236}">
+                <a16:creationId xmlns:a16="http://schemas.microsoft.com/office/drawing/2014/main" id="{2BE880E9-2B86-4CDB-B5B7-308745CDD19D}"/>
+              </a:ext>
+              <a:ext uri="{C183D7F6-B498-43B3-948B-1728B52AA6E4}">
+                <adec:decorative xmlns:adec="http://schemas.microsoft.com/office/drawing/2017/decorative" val="1"/>
+              </a:ext>
+            </a:extLst>
+          </p:cNvPr>
+          <p:cNvCxnSpPr>
+            <a:cxnSpLocks noGrp="1" noRot="1" noChangeAspect="1" noMove="1" noResize="1" noEditPoints="1" noAdjustHandles="1" noChangeArrowheads="1" noChangeShapeType="1"/>
+          </p:cNvCxnSpPr>
+          <p:nvPr>
+            <p:extLst>
+              <p:ext uri="{386F3935-93C4-4BCD-93E2-E3B085C9AB24}">
+                <p16:designElem xmlns:p16="http://schemas.microsoft.com/office/powerpoint/2015/main" val="1"/>
+              </p:ext>
+            </p:extLst>
+          </p:nvPr>
+        </p:nvCxnSpPr>
+        <p:spPr>
+          <a:xfrm>
+            <a:off x="1295401" y="2400639"/>
+            <a:ext cx="3660057" cy="0"/>
+          </a:xfrm>
+          <a:prstGeom prst="line">
+            <a:avLst/>
+          </a:prstGeom>
+        </p:spPr>
+        <p:style>
+          <a:lnRef idx="2">
+            <a:schemeClr val="accent1"/>
+          </a:lnRef>
+          <a:fillRef idx="0">
+            <a:schemeClr val="accent1"/>
+          </a:fillRef>
+          <a:effectRef idx="1">
+            <a:schemeClr val="accent1"/>
+          </a:effectRef>
+          <a:fontRef idx="minor">
+            <a:schemeClr val="tx1"/>
+          </a:fontRef>
+        </p:style>
+      </p:cxnSp>
+      <p:sp>
+        <p:nvSpPr>
+          <p:cNvPr id="3" name="Content Placeholder 2">
+            <a:extLst>
+              <a:ext uri="{FF2B5EF4-FFF2-40B4-BE49-F238E27FC236}">
+                <a16:creationId xmlns:a16="http://schemas.microsoft.com/office/drawing/2014/main" id="{C0C8D1F3-C308-488F-879F-D8237C254B7A}"/>
+              </a:ext>
+            </a:extLst>
+          </p:cNvPr>
+          <p:cNvSpPr>
+            <a:spLocks noGrp="1"/>
+          </p:cNvSpPr>
+          <p:nvPr>
+            <p:ph idx="1"/>
+          </p:nvPr>
+        </p:nvSpPr>
+        <p:spPr>
+          <a:xfrm>
+            <a:off x="1295401" y="2493774"/>
+            <a:ext cx="3660057" cy="3382094"/>
+          </a:xfrm>
+        </p:spPr>
+        <p:txBody>
+          <a:bodyPr>
+            <a:normAutofit/>
+          </a:bodyPr>
+          <a:lstStyle/>
+          <a:p>
+            <a:pPr algn="ctr"/>
+            <a:endParaRPr lang="nl-NL" sz="1600">
+              <a:solidFill>
+                <a:srgbClr val="262626"/>
+              </a:solidFill>
+            </a:endParaRPr>
+          </a:p>
+        </p:txBody>
+      </p:sp>
+      <p:pic>
+        <p:nvPicPr>
+          <p:cNvPr id="7" name="Picture 6">
+            <a:extLst>
+              <a:ext uri="{FF2B5EF4-FFF2-40B4-BE49-F238E27FC236}">
+                <a16:creationId xmlns:a16="http://schemas.microsoft.com/office/drawing/2014/main" id="{00CD4925-727A-4CC4-B4DF-C8823BBBF6D2}"/>
+              </a:ext>
+            </a:extLst>
+          </p:cNvPr>
+          <p:cNvPicPr>
+            <a:picLocks noChangeAspect="1"/>
+          </p:cNvPicPr>
+          <p:nvPr/>
+        </p:nvPicPr>
+        <p:blipFill>
+          <a:blip r:embed="rId5"/>
+          <a:stretch>
+            <a:fillRect/>
+          </a:stretch>
+        </p:blipFill>
+        <p:spPr>
+          <a:xfrm>
+            <a:off x="6752570" y="982131"/>
+            <a:ext cx="2801662" cy="4893735"/>
+          </a:xfrm>
+          <a:prstGeom prst="rect">
+            <a:avLst/>
+          </a:prstGeom>
+          <a:ln w="57150" cmpd="thickThin">
+            <a:solidFill>
+              <a:srgbClr val="7F7F7F"/>
+            </a:solidFill>
+            <a:miter lim="800000"/>
+          </a:ln>
+        </p:spPr>
+      </p:pic>
+    </p:spTree>
+    <p:extLst>
+      <p:ext uri="{BB962C8B-B14F-4D97-AF65-F5344CB8AC3E}">
+        <p14:creationId xmlns:p14="http://schemas.microsoft.com/office/powerpoint/2010/main" val="1877744094"/>
+      </p:ext>
+    </p:extLst>
+  </p:cSld>
+  <p:clrMapOvr>
+    <a:masterClrMapping/>
+  </p:clrMapOvr>
+</p:sld>
+</file>
+
+<file path=ppt/slides/slide5.xml><?xml version="1.0" encoding="utf-8"?>
+<p:sld xmlns:a="http://schemas.openxmlformats.org/drawingml/2006/main" xmlns:r="http://schemas.openxmlformats.org/officeDocument/2006/relationships" xmlns:p="http://schemas.openxmlformats.org/presentationml/2006/main">
+  <p:cSld>
+    <p:spTree>
+      <p:nvGrpSpPr>
+        <p:cNvPr id="1" name=""/>
+        <p:cNvGrpSpPr/>
+        <p:nvPr/>
+      </p:nvGrpSpPr>
+      <p:grpSpPr>
+        <a:xfrm>
+          <a:off x="0" y="0"/>
+          <a:ext cx="0" cy="0"/>
+          <a:chOff x="0" y="0"/>
+          <a:chExt cx="0" cy="0"/>
+        </a:xfrm>
+      </p:grpSpPr>
       <p:sp>
         <p:nvSpPr>
           <p:cNvPr id="2" name="Title 1">
@@ -6177,7 +6692,10 @@
               <a:rPr lang="nl-NL" dirty="0" err="1"/>
               <a:t>MoSCoW</a:t>
             </a:r>
-            <a:endParaRPr lang="nl-NL" dirty="0"/>
+            <a:r>
+              <a:rPr lang="nl-NL" dirty="0"/>
+              <a:t> &amp; Planning</a:t>
+            </a:r>
           </a:p>
         </p:txBody>
       </p:sp>
@@ -6197,7 +6715,7 @@
             <p:ph idx="1"/>
             <p:extLst>
               <p:ext uri="{D42A27DB-BD31-4B8C-83A1-F6EECF244321}">
-                <p14:modId xmlns:p14="http://schemas.microsoft.com/office/powerpoint/2010/main" val="604147809"/>
+                <p14:modId xmlns:p14="http://schemas.microsoft.com/office/powerpoint/2010/main" val="2513099483"/>
               </p:ext>
             </p:extLst>
           </p:nvPr>
@@ -6243,18 +6761,221 @@
                         </a:spcAft>
                       </a:pPr>
                       <a:r>
-                        <a:rPr lang="nl-NL" sz="3900">
+                        <a:rPr lang="nl-NL" sz="3900" dirty="0">
                           <a:effectLst/>
                         </a:rPr>
                         <a:t>M</a:t>
                       </a:r>
                       <a:r>
-                        <a:rPr lang="nl-NL" sz="1500">
+                        <a:rPr lang="nl-NL" sz="1500" dirty="0">
                           <a:effectLst/>
                         </a:rPr>
-                        <a:t>ust haves</a:t>
+                        <a:t>ust </a:t>
                       </a:r>
-                      <a:endParaRPr lang="en-NL" sz="1500">
+                      <a:r>
+                        <a:rPr lang="nl-NL" sz="1500" dirty="0" err="1">
+                          <a:effectLst/>
+                        </a:rPr>
+                        <a:t>haves</a:t>
+                      </a:r>
+                      <a:endParaRPr lang="en-NL" sz="1500" dirty="0">
+                        <a:effectLst/>
+                        <a:latin typeface="Verdana" panose="020B0604030504040204" pitchFamily="34" charset="0"/>
+                        <a:ea typeface="Calibri" panose="020F0502020204030204" pitchFamily="34" charset="0"/>
+                        <a:cs typeface="Times New Roman" panose="02020603050405020304" pitchFamily="18" charset="0"/>
+                      </a:endParaRPr>
+                    </a:p>
+                  </a:txBody>
+                  <a:tcPr marL="103366" marR="103366" marT="0" marB="0"/>
+                </a:tc>
+                <a:tc>
+                  <a:txBody>
+                    <a:bodyPr/>
+                    <a:lstStyle/>
+                    <a:p>
+                      <a:pPr marL="342900" lvl="0" indent="-342900" algn="l" defTabSz="457200" rtl="0" eaLnBrk="1" latinLnBrk="0" hangingPunct="1">
+                        <a:lnSpc>
+                          <a:spcPct val="115000"/>
+                        </a:lnSpc>
+                        <a:spcAft>
+                          <a:spcPts val="1000"/>
+                        </a:spcAft>
+                        <a:buFont typeface="Verdana" panose="020B0604030504040204" pitchFamily="34" charset="0"/>
+                        <a:buChar char="-"/>
+                      </a:pPr>
+                      <a:r>
+                        <a:rPr lang="nl-NL" sz="1500" b="0" kern="1200" dirty="0">
+                          <a:solidFill>
+                            <a:schemeClr val="dk1"/>
+                          </a:solidFill>
+                          <a:effectLst/>
+                          <a:highlight>
+                            <a:srgbClr val="FFFF00"/>
+                          </a:highlight>
+                          <a:latin typeface="+mn-lt"/>
+                          <a:ea typeface="+mn-ea"/>
+                          <a:cs typeface="+mn-cs"/>
+                        </a:rPr>
+                        <a:t>De Juiste Berekeningen maken</a:t>
+                      </a:r>
+                      <a:endParaRPr lang="en-NL" sz="1500" b="0" kern="1200" dirty="0">
+                        <a:solidFill>
+                          <a:schemeClr val="dk1"/>
+                        </a:solidFill>
+                        <a:effectLst/>
+                        <a:highlight>
+                          <a:srgbClr val="FFFF00"/>
+                        </a:highlight>
+                        <a:latin typeface="+mn-lt"/>
+                        <a:ea typeface="+mn-ea"/>
+                        <a:cs typeface="+mn-cs"/>
+                      </a:endParaRPr>
+                    </a:p>
+                    <a:p>
+                      <a:pPr marL="342900" lvl="0" indent="-342900" algn="l" defTabSz="457200" rtl="0" eaLnBrk="1" latinLnBrk="0" hangingPunct="1">
+                        <a:lnSpc>
+                          <a:spcPct val="115000"/>
+                        </a:lnSpc>
+                        <a:spcAft>
+                          <a:spcPts val="1000"/>
+                        </a:spcAft>
+                        <a:buFont typeface="Verdana" panose="020B0604030504040204" pitchFamily="34" charset="0"/>
+                        <a:buChar char="-"/>
+                      </a:pPr>
+                      <a:r>
+                        <a:rPr lang="nl-NL" sz="1500" b="0" kern="1200" dirty="0">
+                          <a:solidFill>
+                            <a:schemeClr val="dk1"/>
+                          </a:solidFill>
+                          <a:effectLst/>
+                          <a:highlight>
+                            <a:srgbClr val="00FF00"/>
+                          </a:highlight>
+                          <a:latin typeface="+mn-lt"/>
+                          <a:ea typeface="+mn-ea"/>
+                          <a:cs typeface="+mn-cs"/>
+                        </a:rPr>
+                        <a:t>Simpel</a:t>
+                      </a:r>
+                      <a:endParaRPr lang="en-NL" sz="1500" b="0" kern="1200" dirty="0">
+                        <a:solidFill>
+                          <a:schemeClr val="dk1"/>
+                        </a:solidFill>
+                        <a:effectLst/>
+                        <a:highlight>
+                          <a:srgbClr val="00FF00"/>
+                        </a:highlight>
+                        <a:latin typeface="+mn-lt"/>
+                        <a:ea typeface="+mn-ea"/>
+                        <a:cs typeface="+mn-cs"/>
+                      </a:endParaRPr>
+                    </a:p>
+                    <a:p>
+                      <a:pPr marL="342900" lvl="0" indent="-342900" algn="l" defTabSz="457200" rtl="0" eaLnBrk="1" latinLnBrk="0" hangingPunct="1">
+                        <a:lnSpc>
+                          <a:spcPct val="115000"/>
+                        </a:lnSpc>
+                        <a:spcAft>
+                          <a:spcPts val="1000"/>
+                        </a:spcAft>
+                        <a:buFont typeface="Verdana" panose="020B0604030504040204" pitchFamily="34" charset="0"/>
+                        <a:buChar char="-"/>
+                      </a:pPr>
+                      <a:r>
+                        <a:rPr lang="nl-NL" sz="1500" b="0" kern="1200" dirty="0" err="1">
+                          <a:solidFill>
+                            <a:schemeClr val="dk1"/>
+                          </a:solidFill>
+                          <a:effectLst/>
+                          <a:highlight>
+                            <a:srgbClr val="FFFF00"/>
+                          </a:highlight>
+                          <a:latin typeface="+mn-lt"/>
+                          <a:ea typeface="+mn-ea"/>
+                          <a:cs typeface="+mn-cs"/>
+                        </a:rPr>
+                        <a:t>Responsive</a:t>
+                      </a:r>
+                      <a:r>
+                        <a:rPr lang="nl-NL" sz="1500" b="0" kern="1200" dirty="0">
+                          <a:solidFill>
+                            <a:schemeClr val="dk1"/>
+                          </a:solidFill>
+                          <a:effectLst/>
+                          <a:highlight>
+                            <a:srgbClr val="FFFF00"/>
+                          </a:highlight>
+                          <a:latin typeface="+mn-lt"/>
+                          <a:ea typeface="+mn-ea"/>
+                          <a:cs typeface="+mn-cs"/>
+                        </a:rPr>
+                        <a:t> (Op alle schermen bruikbaar)</a:t>
+                      </a:r>
+                      <a:endParaRPr lang="en-NL" sz="1500" b="0" kern="1200" dirty="0">
+                        <a:solidFill>
+                          <a:schemeClr val="dk1"/>
+                        </a:solidFill>
+                        <a:effectLst/>
+                        <a:highlight>
+                          <a:srgbClr val="FFFF00"/>
+                        </a:highlight>
+                        <a:latin typeface="+mn-lt"/>
+                        <a:ea typeface="+mn-ea"/>
+                        <a:cs typeface="+mn-cs"/>
+                      </a:endParaRPr>
+                    </a:p>
+                  </a:txBody>
+                  <a:tcPr marL="103366" marR="103366" marT="0" marB="0">
+                    <a:solidFill>
+                      <a:srgbClr val="EDEFE8"/>
+                    </a:solidFill>
+                  </a:tcPr>
+                </a:tc>
+                <a:extLst>
+                  <a:ext uri="{0D108BD9-81ED-4DB2-BD59-A6C34878D82A}">
+                    <a16:rowId xmlns:a16="http://schemas.microsoft.com/office/drawing/2014/main" val="748538566"/>
+                  </a:ext>
+                </a:extLst>
+              </a:tr>
+              <a:tr h="654846">
+                <a:tc>
+                  <a:txBody>
+                    <a:bodyPr/>
+                    <a:lstStyle/>
+                    <a:p>
+                      <a:pPr algn="l">
+                        <a:lnSpc>
+                          <a:spcPct val="115000"/>
+                        </a:lnSpc>
+                        <a:spcAft>
+                          <a:spcPts val="1000"/>
+                        </a:spcAft>
+                      </a:pPr>
+                      <a:r>
+                        <a:rPr lang="nl-NL" sz="3900" dirty="0" err="1">
+                          <a:effectLst/>
+                        </a:rPr>
+                        <a:t>S</a:t>
+                      </a:r>
+                      <a:r>
+                        <a:rPr lang="nl-NL" sz="1500" dirty="0" err="1">
+                          <a:effectLst/>
+                        </a:rPr>
+                        <a:t>hould</a:t>
+                      </a:r>
+                      <a:r>
+                        <a:rPr lang="nl-NL" sz="1500" dirty="0">
+                          <a:effectLst/>
+                        </a:rPr>
+                        <a:t> </a:t>
+                      </a:r>
+                      <a:r>
+                        <a:rPr lang="nl-NL" sz="1500" dirty="0" err="1">
+                          <a:effectLst/>
+                        </a:rPr>
+                        <a:t>haves</a:t>
+                      </a:r>
+                      <a:endParaRPr lang="en-NL" sz="1500" dirty="0">
                         <a:effectLst/>
                         <a:latin typeface="Verdana" panose="020B0604030504040204" pitchFamily="34" charset="0"/>
                         <a:ea typeface="Calibri" panose="020F0502020204030204" pitchFamily="34" charset="0"/>
@@ -6282,132 +7003,17 @@
                       <a:r>
                         <a:rPr lang="nl-NL" sz="1500" dirty="0">
                           <a:effectLst/>
-                        </a:rPr>
-                        <a:t>De Juiste Berekeningen maken</a:t>
-                      </a:r>
-                      <a:endParaRPr lang="en-NL" sz="1500" dirty="0">
-                        <a:effectLst/>
-                      </a:endParaRPr>
-                    </a:p>
-                    <a:p>
-                      <a:pPr marL="342900" lvl="0" indent="-342900" algn="l">
-                        <a:lnSpc>
-                          <a:spcPct val="115000"/>
-                        </a:lnSpc>
-                        <a:spcAft>
-                          <a:spcPts val="1000"/>
-                        </a:spcAft>
-                        <a:buFont typeface="Verdana" panose="020B0604030504040204" pitchFamily="34" charset="0"/>
-                        <a:buChar char="-"/>
-                      </a:pPr>
-                      <a:r>
-                        <a:rPr lang="nl-NL" sz="1500" dirty="0">
-                          <a:effectLst/>
-                        </a:rPr>
-                        <a:t>Simpel</a:t>
-                      </a:r>
-                      <a:endParaRPr lang="en-NL" sz="1500" dirty="0">
-                        <a:effectLst/>
-                      </a:endParaRPr>
-                    </a:p>
-                    <a:p>
-                      <a:pPr marL="342900" lvl="0" indent="-342900" algn="l">
-                        <a:lnSpc>
-                          <a:spcPct val="115000"/>
-                        </a:lnSpc>
-                        <a:spcAft>
-                          <a:spcPts val="1000"/>
-                        </a:spcAft>
-                        <a:buFont typeface="Verdana" panose="020B0604030504040204" pitchFamily="34" charset="0"/>
-                        <a:buChar char="-"/>
-                      </a:pPr>
-                      <a:r>
-                        <a:rPr lang="nl-NL" sz="1500" dirty="0" err="1">
-                          <a:effectLst/>
-                        </a:rPr>
-                        <a:t>Responsive</a:t>
-                      </a:r>
-                      <a:r>
-                        <a:rPr lang="nl-NL" sz="1500" dirty="0">
-                          <a:effectLst/>
-                        </a:rPr>
-                        <a:t> (Op alle schermen bruikbaar)</a:t>
-                      </a:r>
-                      <a:endParaRPr lang="en-NL" sz="1500" dirty="0">
-                        <a:effectLst/>
-                        <a:latin typeface="Verdana" panose="020B0604030504040204" pitchFamily="34" charset="0"/>
-                        <a:ea typeface="Calibri" panose="020F0502020204030204" pitchFamily="34" charset="0"/>
-                        <a:cs typeface="Times New Roman" panose="02020603050405020304" pitchFamily="18" charset="0"/>
-                      </a:endParaRPr>
-                    </a:p>
-                  </a:txBody>
-                  <a:tcPr marL="103366" marR="103366" marT="0" marB="0"/>
-                </a:tc>
-                <a:extLst>
-                  <a:ext uri="{0D108BD9-81ED-4DB2-BD59-A6C34878D82A}">
-                    <a16:rowId xmlns:a16="http://schemas.microsoft.com/office/drawing/2014/main" val="748538566"/>
-                  </a:ext>
-                </a:extLst>
-              </a:tr>
-              <a:tr h="654846">
-                <a:tc>
-                  <a:txBody>
-                    <a:bodyPr/>
-                    <a:lstStyle/>
-                    <a:p>
-                      <a:pPr algn="l">
-                        <a:lnSpc>
-                          <a:spcPct val="115000"/>
-                        </a:lnSpc>
-                        <a:spcAft>
-                          <a:spcPts val="1000"/>
-                        </a:spcAft>
-                      </a:pPr>
-                      <a:r>
-                        <a:rPr lang="nl-NL" sz="3900">
-                          <a:effectLst/>
-                        </a:rPr>
-                        <a:t>S</a:t>
-                      </a:r>
-                      <a:r>
-                        <a:rPr lang="nl-NL" sz="1500">
-                          <a:effectLst/>
-                        </a:rPr>
-                        <a:t>hould haves</a:t>
-                      </a:r>
-                      <a:endParaRPr lang="en-NL" sz="1500">
-                        <a:effectLst/>
-                        <a:latin typeface="Verdana" panose="020B0604030504040204" pitchFamily="34" charset="0"/>
-                        <a:ea typeface="Calibri" panose="020F0502020204030204" pitchFamily="34" charset="0"/>
-                        <a:cs typeface="Times New Roman" panose="02020603050405020304" pitchFamily="18" charset="0"/>
-                      </a:endParaRPr>
-                    </a:p>
-                  </a:txBody>
-                  <a:tcPr marL="103366" marR="103366" marT="0" marB="0"/>
-                </a:tc>
-                <a:tc>
-                  <a:txBody>
-                    <a:bodyPr/>
-                    <a:lstStyle/>
-                    <a:p>
-                      <a:pPr marL="342900" lvl="0" indent="-342900" algn="l">
-                        <a:lnSpc>
-                          <a:spcPct val="115000"/>
-                        </a:lnSpc>
-                        <a:spcAft>
-                          <a:spcPts val="1000"/>
-                        </a:spcAft>
-                        <a:buFont typeface="Verdana" panose="020B0604030504040204" pitchFamily="34" charset="0"/>
-                        <a:buChar char="-"/>
-                      </a:pPr>
-                      <a:r>
-                        <a:rPr lang="nl-NL" sz="1500" dirty="0">
-                          <a:effectLst/>
+                          <a:highlight>
+                            <a:srgbClr val="FF0000"/>
+                          </a:highlight>
                         </a:rPr>
                         <a:t>Opslaan van eerdere kalibraties</a:t>
                       </a:r>
                       <a:endParaRPr lang="en-NL" sz="1500" dirty="0">
                         <a:effectLst/>
+                        <a:highlight>
+                          <a:srgbClr val="FF0000"/>
+                        </a:highlight>
                         <a:latin typeface="Verdana" panose="020B0604030504040204" pitchFamily="34" charset="0"/>
                         <a:ea typeface="Calibri" panose="020F0502020204030204" pitchFamily="34" charset="0"/>
                         <a:cs typeface="Times New Roman" panose="02020603050405020304" pitchFamily="18" charset="0"/>
@@ -6476,42 +7082,64 @@
                       <a:r>
                         <a:rPr lang="nl-NL" sz="1500" dirty="0">
                           <a:effectLst/>
+                          <a:highlight>
+                            <a:srgbClr val="FFFF00"/>
+                          </a:highlight>
                         </a:rPr>
                         <a:t>Duidelijke Homepage met info over </a:t>
                       </a:r>
                       <a:r>
                         <a:rPr lang="nl-NL" sz="1500" dirty="0" err="1">
                           <a:effectLst/>
+                          <a:highlight>
+                            <a:srgbClr val="FFFF00"/>
+                          </a:highlight>
                         </a:rPr>
                         <a:t>Mathy</a:t>
                       </a:r>
                       <a:r>
                         <a:rPr lang="nl-NL" sz="1500" dirty="0">
                           <a:effectLst/>
+                          <a:highlight>
+                            <a:srgbClr val="FFFF00"/>
+                          </a:highlight>
                         </a:rPr>
                         <a:t> </a:t>
                       </a:r>
                       <a:r>
                         <a:rPr lang="nl-NL" sz="1500" dirty="0" err="1">
                           <a:effectLst/>
+                          <a:highlight>
+                            <a:srgbClr val="FFFF00"/>
+                          </a:highlight>
                         </a:rPr>
                         <a:t>Knaapen</a:t>
                       </a:r>
                       <a:r>
                         <a:rPr lang="nl-NL" sz="1500" dirty="0">
                           <a:effectLst/>
+                          <a:highlight>
+                            <a:srgbClr val="FFFF00"/>
+                          </a:highlight>
                         </a:rPr>
                         <a:t> en wat hij doet.</a:t>
                       </a:r>
                       <a:endParaRPr lang="en-NL" sz="1500" dirty="0">
                         <a:effectLst/>
+                        <a:highlight>
+                          <a:srgbClr val="FFFF00"/>
+                        </a:highlight>
                         <a:latin typeface="Verdana" panose="020B0604030504040204" pitchFamily="34" charset="0"/>
                         <a:ea typeface="Calibri" panose="020F0502020204030204" pitchFamily="34" charset="0"/>
                         <a:cs typeface="Times New Roman" panose="02020603050405020304" pitchFamily="18" charset="0"/>
                       </a:endParaRPr>
                     </a:p>
                   </a:txBody>
-                  <a:tcPr marL="103366" marR="103366" marT="0" marB="0"/>
+                  <a:tcPr marL="103366" marR="103366" marT="0" marB="0">
+                    <a:solidFill>
+                      <a:srgbClr val="EDEFE8"/>
+                    </a:solidFill>
+                  </a:tcPr>
                 </a:tc>
                 <a:extLst>
                   <a:ext uri="{0D108BD9-81ED-4DB2-BD59-A6C34878D82A}">
@@ -6573,11 +7201,17 @@
                       <a:r>
                         <a:rPr lang="nl-NL" sz="1500" dirty="0">
                           <a:effectLst/>
+                          <a:highlight>
+                            <a:srgbClr val="FF0000"/>
+                          </a:highlight>
                         </a:rPr>
                         <a:t>Meer informatie</a:t>
                       </a:r>
                       <a:endParaRPr lang="en-NL" sz="1500" dirty="0">
                         <a:effectLst/>
+                        <a:highlight>
+                          <a:srgbClr val="FF0000"/>
+                        </a:highlight>
                         <a:latin typeface="Verdana" panose="020B0604030504040204" pitchFamily="34" charset="0"/>
                         <a:ea typeface="Calibri" panose="020F0502020204030204" pitchFamily="34" charset="0"/>
                         <a:cs typeface="Times New Roman" panose="02020603050405020304" pitchFamily="18" charset="0"/>
@@ -6596,10 +7230,202 @@
           </a:graphicData>
         </a:graphic>
       </p:graphicFrame>
+      <p:sp>
+        <p:nvSpPr>
+          <p:cNvPr id="3" name="TextBox 2">
+            <a:extLst>
+              <a:ext uri="{FF2B5EF4-FFF2-40B4-BE49-F238E27FC236}">
+                <a16:creationId xmlns:a16="http://schemas.microsoft.com/office/drawing/2014/main" id="{BDA9A9F1-C79F-4527-AE08-5AA481DA8AB6}"/>
+              </a:ext>
+            </a:extLst>
+          </p:cNvPr>
+          <p:cNvSpPr txBox="1"/>
+          <p:nvPr/>
+        </p:nvSpPr>
+        <p:spPr>
+          <a:xfrm>
+            <a:off x="1740023" y="1091953"/>
+            <a:ext cx="2512381" cy="923330"/>
+          </a:xfrm>
+          <a:prstGeom prst="rect">
+            <a:avLst/>
+          </a:prstGeom>
+          <a:noFill/>
+        </p:spPr>
+        <p:txBody>
+          <a:bodyPr wrap="square" rtlCol="0">
+            <a:spAutoFit/>
+          </a:bodyPr>
+          <a:lstStyle/>
+          <a:p>
+            <a:r>
+              <a:rPr lang="nl-NL" dirty="0">
+                <a:solidFill>
+                  <a:srgbClr val="00FF00"/>
+                </a:solidFill>
+                <a:highlight>
+                  <a:srgbClr val="00FF00"/>
+                </a:highlight>
+              </a:rPr>
+              <a:t>B</a:t>
+            </a:r>
+            <a:r>
+              <a:rPr lang="nl-NL" dirty="0"/>
+              <a:t> = Afgerond</a:t>
+            </a:r>
+          </a:p>
+          <a:p>
+            <a:r>
+              <a:rPr lang="nl-NL" dirty="0">
+                <a:solidFill>
+                  <a:srgbClr val="FFFF00"/>
+                </a:solidFill>
+                <a:highlight>
+                  <a:srgbClr val="FFFF00"/>
+                </a:highlight>
+              </a:rPr>
+              <a:t>B</a:t>
+            </a:r>
+            <a:r>
+              <a:rPr lang="nl-NL" dirty="0"/>
+              <a:t> = Bezig</a:t>
+            </a:r>
+          </a:p>
+          <a:p>
+            <a:r>
+              <a:rPr lang="nl-NL" dirty="0">
+                <a:solidFill>
+                  <a:srgbClr val="FF0000"/>
+                </a:solidFill>
+                <a:highlight>
+                  <a:srgbClr val="FF0000"/>
+                </a:highlight>
+              </a:rPr>
+              <a:t>B</a:t>
+            </a:r>
+            <a:r>
+              <a:rPr lang="nl-NL" dirty="0"/>
+              <a:t> = Stil</a:t>
+            </a:r>
+          </a:p>
+        </p:txBody>
+      </p:sp>
     </p:spTree>
     <p:extLst>
       <p:ext uri="{BB962C8B-B14F-4D97-AF65-F5344CB8AC3E}">
         <p14:creationId xmlns:p14="http://schemas.microsoft.com/office/powerpoint/2010/main" val="937036644"/>
+      </p:ext>
+    </p:extLst>
+  </p:cSld>
+  <p:clrMapOvr>
+    <a:masterClrMapping/>
+  </p:clrMapOvr>
+</p:sld>
+</file>
+
+<file path=ppt/slides/slide6.xml><?xml version="1.0" encoding="utf-8"?>
+<p:sld xmlns:a="http://schemas.openxmlformats.org/drawingml/2006/main" xmlns:r="http://schemas.openxmlformats.org/officeDocument/2006/relationships" xmlns:p="http://schemas.openxmlformats.org/presentationml/2006/main">
+  <p:cSld>
+    <p:spTree>
+      <p:nvGrpSpPr>
+        <p:cNvPr id="1" name=""/>
+        <p:cNvGrpSpPr/>
+        <p:nvPr/>
+      </p:nvGrpSpPr>
+      <p:grpSpPr>
+        <a:xfrm>
+          <a:off x="0" y="0"/>
+          <a:ext cx="0" cy="0"/>
+          <a:chOff x="0" y="0"/>
+          <a:chExt cx="0" cy="0"/>
+        </a:xfrm>
+      </p:grpSpPr>
+      <p:sp>
+        <p:nvSpPr>
+          <p:cNvPr id="2" name="Title 1">
+            <a:extLst>
+              <a:ext uri="{FF2B5EF4-FFF2-40B4-BE49-F238E27FC236}">
+                <a16:creationId xmlns:a16="http://schemas.microsoft.com/office/drawing/2014/main" id="{93E8DCDC-BDC0-4738-876D-8488685DFA3F}"/>
+              </a:ext>
+            </a:extLst>
+          </p:cNvPr>
+          <p:cNvSpPr>
+            <a:spLocks noGrp="1"/>
+          </p:cNvSpPr>
+          <p:nvPr>
+            <p:ph type="title"/>
+          </p:nvPr>
+        </p:nvSpPr>
+        <p:spPr/>
+        <p:txBody>
+          <a:bodyPr/>
+          <a:lstStyle/>
+          <a:p>
+            <a:r>
+              <a:rPr lang="nl-NL" dirty="0"/>
+              <a:t>Prototype</a:t>
+            </a:r>
+          </a:p>
+        </p:txBody>
+      </p:sp>
+      <p:sp>
+        <p:nvSpPr>
+          <p:cNvPr id="3" name="Content Placeholder 2">
+            <a:extLst>
+              <a:ext uri="{FF2B5EF4-FFF2-40B4-BE49-F238E27FC236}">
+                <a16:creationId xmlns:a16="http://schemas.microsoft.com/office/drawing/2014/main" id="{6561CDEF-BAC8-4180-9046-E91A5FFAE5DC}"/>
+              </a:ext>
+            </a:extLst>
+          </p:cNvPr>
+          <p:cNvSpPr>
+            <a:spLocks noGrp="1"/>
+          </p:cNvSpPr>
+          <p:nvPr>
+            <p:ph idx="1"/>
+          </p:nvPr>
+        </p:nvSpPr>
+        <p:spPr/>
+        <p:txBody>
+          <a:bodyPr/>
+          <a:lstStyle/>
+          <a:p>
+            <a:endParaRPr lang="nl-NL"/>
+          </a:p>
+        </p:txBody>
+      </p:sp>
+      <p:pic>
+        <p:nvPicPr>
+          <p:cNvPr id="5" name="Picture 4">
+            <a:extLst>
+              <a:ext uri="{FF2B5EF4-FFF2-40B4-BE49-F238E27FC236}">
+                <a16:creationId xmlns:a16="http://schemas.microsoft.com/office/drawing/2014/main" id="{3D6540B0-8BE9-4EB1-9E76-B825441EEDA4}"/>
+              </a:ext>
+            </a:extLst>
+          </p:cNvPr>
+          <p:cNvPicPr>
+            <a:picLocks noChangeAspect="1"/>
+          </p:cNvPicPr>
+          <p:nvPr/>
+        </p:nvPicPr>
+        <p:blipFill rotWithShape="1">
+          <a:blip r:embed="rId2"/>
+          <a:srcRect l="10000" t="3116" r="10624" b="37448"/>
+          <a:stretch/>
+        </p:blipFill>
+        <p:spPr>
+          <a:xfrm>
+            <a:off x="1219200" y="2556931"/>
+            <a:ext cx="9677398" cy="3653369"/>
+          </a:xfrm>
+          <a:prstGeom prst="rect">
+            <a:avLst/>
+          </a:prstGeom>
+        </p:spPr>
+      </p:pic>
+    </p:spTree>
+    <p:extLst>
+      <p:ext uri="{BB962C8B-B14F-4D97-AF65-F5344CB8AC3E}">
+        <p14:creationId xmlns:p14="http://schemas.microsoft.com/office/powerpoint/2010/main" val="3063323610"/>
       </p:ext>
     </p:extLst>
   </p:cSld>

--- a/Mathy Knaapen  Technische dienstverlening.pptx
+++ b/Mathy Knaapen  Technische dienstverlening.pptx
@@ -9,8 +9,9 @@
     <p:sldId id="257" r:id="rId3"/>
     <p:sldId id="258" r:id="rId4"/>
     <p:sldId id="260" r:id="rId5"/>
-    <p:sldId id="259" r:id="rId6"/>
-    <p:sldId id="261" r:id="rId7"/>
+    <p:sldId id="262" r:id="rId6"/>
+    <p:sldId id="259" r:id="rId7"/>
+    <p:sldId id="261" r:id="rId8"/>
   </p:sldIdLst>
   <p:sldSz cx="12192000" cy="6858000"/>
   <p:notesSz cx="6858000" cy="9144000"/>
@@ -6651,6 +6652,104 @@
 </file>
 
 <file path=ppt/slides/slide5.xml><?xml version="1.0" encoding="utf-8"?>
+<p:sld xmlns:a="http://schemas.openxmlformats.org/drawingml/2006/main" xmlns:r="http://schemas.openxmlformats.org/officeDocument/2006/relationships" xmlns:p="http://schemas.openxmlformats.org/presentationml/2006/main">
+  <p:cSld>
+    <p:spTree>
+      <p:nvGrpSpPr>
+        <p:cNvPr id="1" name=""/>
+        <p:cNvGrpSpPr/>
+        <p:nvPr/>
+      </p:nvGrpSpPr>
+      <p:grpSpPr>
+        <a:xfrm>
+          <a:off x="0" y="0"/>
+          <a:ext cx="0" cy="0"/>
+          <a:chOff x="0" y="0"/>
+          <a:chExt cx="0" cy="0"/>
+        </a:xfrm>
+      </p:grpSpPr>
+      <p:sp>
+        <p:nvSpPr>
+          <p:cNvPr id="2" name="Title 1">
+            <a:extLst>
+              <a:ext uri="{FF2B5EF4-FFF2-40B4-BE49-F238E27FC236}">
+                <a16:creationId xmlns:a16="http://schemas.microsoft.com/office/drawing/2014/main" id="{2A2ABA7D-94EC-446E-B026-B83DA4A2EF8A}"/>
+              </a:ext>
+            </a:extLst>
+          </p:cNvPr>
+          <p:cNvSpPr>
+            <a:spLocks noGrp="1"/>
+          </p:cNvSpPr>
+          <p:nvPr>
+            <p:ph type="title"/>
+          </p:nvPr>
+        </p:nvSpPr>
+        <p:spPr/>
+        <p:txBody>
+          <a:bodyPr/>
+          <a:lstStyle/>
+          <a:p>
+            <a:r>
+              <a:rPr lang="nl-NL" dirty="0"/>
+              <a:t>Proces</a:t>
+            </a:r>
+          </a:p>
+        </p:txBody>
+      </p:sp>
+      <p:sp>
+        <p:nvSpPr>
+          <p:cNvPr id="3" name="Content Placeholder 2">
+            <a:extLst>
+              <a:ext uri="{FF2B5EF4-FFF2-40B4-BE49-F238E27FC236}">
+                <a16:creationId xmlns:a16="http://schemas.microsoft.com/office/drawing/2014/main" id="{65E18521-578B-4603-8782-437DAAF475AD}"/>
+              </a:ext>
+            </a:extLst>
+          </p:cNvPr>
+          <p:cNvSpPr>
+            <a:spLocks noGrp="1"/>
+          </p:cNvSpPr>
+          <p:nvPr>
+            <p:ph idx="1"/>
+          </p:nvPr>
+        </p:nvSpPr>
+        <p:spPr/>
+        <p:txBody>
+          <a:bodyPr/>
+          <a:lstStyle/>
+          <a:p>
+            <a:r>
+              <a:rPr lang="nl-NL" dirty="0"/>
+              <a:t>Versiebeheer</a:t>
+            </a:r>
+          </a:p>
+          <a:p>
+            <a:r>
+              <a:rPr lang="nl-NL" dirty="0"/>
+              <a:t>Klantencontact</a:t>
+            </a:r>
+          </a:p>
+          <a:p>
+            <a:r>
+              <a:rPr lang="nl-NL" dirty="0"/>
+              <a:t>Taakverdeling</a:t>
+            </a:r>
+          </a:p>
+        </p:txBody>
+      </p:sp>
+    </p:spTree>
+    <p:extLst>
+      <p:ext uri="{BB962C8B-B14F-4D97-AF65-F5344CB8AC3E}">
+        <p14:creationId xmlns:p14="http://schemas.microsoft.com/office/powerpoint/2010/main" val="1922782891"/>
+      </p:ext>
+    </p:extLst>
+  </p:cSld>
+  <p:clrMapOvr>
+    <a:masterClrMapping/>
+  </p:clrMapOvr>
+</p:sld>
+</file>
+
+<file path=ppt/slides/slide6.xml><?xml version="1.0" encoding="utf-8"?>
 <p:sld xmlns:a="http://schemas.openxmlformats.org/drawingml/2006/main" xmlns:r="http://schemas.openxmlformats.org/officeDocument/2006/relationships" xmlns:p="http://schemas.openxmlformats.org/presentationml/2006/main">
   <p:cSld>
     <p:spTree>
@@ -7323,7 +7422,7 @@
 </p:sld>
 </file>
 
-<file path=ppt/slides/slide6.xml><?xml version="1.0" encoding="utf-8"?>
+<file path=ppt/slides/slide7.xml><?xml version="1.0" encoding="utf-8"?>
 <p:sld xmlns:a="http://schemas.openxmlformats.org/drawingml/2006/main" xmlns:r="http://schemas.openxmlformats.org/officeDocument/2006/relationships" xmlns:p="http://schemas.openxmlformats.org/presentationml/2006/main">
   <p:cSld>
     <p:spTree>
